--- a/GC_Trivia_Template.pptx
+++ b/GC_Trivia_Template.pptx
@@ -205,7 +205,7 @@
           <a:p>
             <a:fld id="{6D61A8E4-59A9-3F47-9644-99B59C1A7585}" type="datetimeFigureOut">
               <a:rPr lang="en-US" smtClean="0"/>
-              <a:t>3/25/19</a:t>
+              <a:t>4/1/19</a:t>
             </a:fld>
             <a:endParaRPr lang="en-US"/>
           </a:p>
@@ -604,7 +604,7 @@
           <a:p>
             <a:fld id="{34BF15D1-C986-4401-8DA2-ABC404C317C2}" type="datetimeFigureOut">
               <a:rPr lang="en-CA" smtClean="0"/>
-              <a:t>2019-03-25</a:t>
+              <a:t>2019-04-01</a:t>
             </a:fld>
             <a:endParaRPr lang="en-CA"/>
           </a:p>
@@ -762,7 +762,7 @@
           <a:noFill/>
           <a:extLst>
             <a:ext uri="{909E8E84-426E-40dd-AFC4-6F175D3DCCD1}">
-              <a14:hiddenFill xmlns:a14="http://schemas.microsoft.com/office/drawing/2010/main" xmlns="">
+              <a14:hiddenFill xmlns="" xmlns:a14="http://schemas.microsoft.com/office/drawing/2010/main">
                 <a:solidFill>
                   <a:srgbClr val="FFFFFF"/>
                 </a:solidFill>
@@ -923,7 +923,7 @@
           <a:p>
             <a:fld id="{34BF15D1-C986-4401-8DA2-ABC404C317C2}" type="datetimeFigureOut">
               <a:rPr lang="en-CA" smtClean="0"/>
-              <a:t>2019-03-25</a:t>
+              <a:t>2019-04-01</a:t>
             </a:fld>
             <a:endParaRPr lang="en-CA"/>
           </a:p>
@@ -1236,7 +1236,7 @@
           <a:p>
             <a:fld id="{34BF15D1-C986-4401-8DA2-ABC404C317C2}" type="datetimeFigureOut">
               <a:rPr lang="en-CA" smtClean="0"/>
-              <a:t>2019-03-25</a:t>
+              <a:t>2019-04-01</a:t>
             </a:fld>
             <a:endParaRPr lang="en-CA"/>
           </a:p>
@@ -1529,7 +1529,7 @@
           <a:p>
             <a:fld id="{34BF15D1-C986-4401-8DA2-ABC404C317C2}" type="datetimeFigureOut">
               <a:rPr lang="en-CA" smtClean="0"/>
-              <a:t>2019-03-25</a:t>
+              <a:t>2019-04-01</a:t>
             </a:fld>
             <a:endParaRPr lang="en-CA"/>
           </a:p>
@@ -1735,7 +1735,7 @@
           <a:p>
             <a:fld id="{34BF15D1-C986-4401-8DA2-ABC404C317C2}" type="datetimeFigureOut">
               <a:rPr lang="en-CA" smtClean="0"/>
-              <a:t>2019-03-25</a:t>
+              <a:t>2019-04-01</a:t>
             </a:fld>
             <a:endParaRPr lang="en-CA"/>
           </a:p>
@@ -1951,7 +1951,7 @@
           <a:p>
             <a:fld id="{34BF15D1-C986-4401-8DA2-ABC404C317C2}" type="datetimeFigureOut">
               <a:rPr lang="en-CA" smtClean="0"/>
-              <a:t>2019-03-25</a:t>
+              <a:t>2019-04-01</a:t>
             </a:fld>
             <a:endParaRPr lang="en-CA"/>
           </a:p>
@@ -2116,7 +2116,7 @@
           <a:p>
             <a:fld id="{34BF15D1-C986-4401-8DA2-ABC404C317C2}" type="datetimeFigureOut">
               <a:rPr lang="en-CA" smtClean="0"/>
-              <a:t>2019-03-25</a:t>
+              <a:t>2019-04-01</a:t>
             </a:fld>
             <a:endParaRPr lang="en-CA"/>
           </a:p>
@@ -2310,7 +2310,7 @@
           <a:noFill/>
           <a:extLst>
             <a:ext uri="{909E8E84-426E-40dd-AFC4-6F175D3DCCD1}">
-              <a14:hiddenFill xmlns:a14="http://schemas.microsoft.com/office/drawing/2010/main" xmlns="">
+              <a14:hiddenFill xmlns="" xmlns:a14="http://schemas.microsoft.com/office/drawing/2010/main">
                 <a:solidFill>
                   <a:srgbClr val="FFFFFF"/>
                 </a:solidFill>
@@ -2447,7 +2447,7 @@
           <a:p>
             <a:fld id="{34BF15D1-C986-4401-8DA2-ABC404C317C2}" type="datetimeFigureOut">
               <a:rPr lang="en-CA" smtClean="0"/>
-              <a:t>2019-03-25</a:t>
+              <a:t>2019-04-01</a:t>
             </a:fld>
             <a:endParaRPr lang="en-CA"/>
           </a:p>
@@ -2638,7 +2638,7 @@
           <a:noFill/>
           <a:extLst>
             <a:ext uri="{909E8E84-426E-40dd-AFC4-6F175D3DCCD1}">
-              <a14:hiddenFill xmlns:a14="http://schemas.microsoft.com/office/drawing/2010/main" xmlns="">
+              <a14:hiddenFill xmlns="" xmlns:a14="http://schemas.microsoft.com/office/drawing/2010/main">
                 <a:solidFill>
                   <a:srgbClr val="FFFFFF"/>
                 </a:solidFill>
@@ -2775,7 +2775,7 @@
           <a:p>
             <a:fld id="{34BF15D1-C986-4401-8DA2-ABC404C317C2}" type="datetimeFigureOut">
               <a:rPr lang="en-CA" smtClean="0"/>
-              <a:t>2019-03-25</a:t>
+              <a:t>2019-04-01</a:t>
             </a:fld>
             <a:endParaRPr lang="en-CA"/>
           </a:p>
@@ -2969,7 +2969,7 @@
           <a:noFill/>
           <a:extLst>
             <a:ext uri="{909E8E84-426E-40dd-AFC4-6F175D3DCCD1}">
-              <a14:hiddenFill xmlns:a14="http://schemas.microsoft.com/office/drawing/2010/main" xmlns="">
+              <a14:hiddenFill xmlns="" xmlns:a14="http://schemas.microsoft.com/office/drawing/2010/main">
                 <a:solidFill>
                   <a:srgbClr val="FFFFFF"/>
                 </a:solidFill>
@@ -3147,7 +3147,7 @@
           <a:p>
             <a:fld id="{34BF15D1-C986-4401-8DA2-ABC404C317C2}" type="datetimeFigureOut">
               <a:rPr lang="en-CA" smtClean="0"/>
-              <a:t>2019-03-25</a:t>
+              <a:t>2019-04-01</a:t>
             </a:fld>
             <a:endParaRPr lang="en-CA"/>
           </a:p>
@@ -3429,7 +3429,7 @@
           <a:p>
             <a:fld id="{34BF15D1-C986-4401-8DA2-ABC404C317C2}" type="datetimeFigureOut">
               <a:rPr lang="en-CA" smtClean="0"/>
-              <a:t>2019-03-25</a:t>
+              <a:t>2019-04-01</a:t>
             </a:fld>
             <a:endParaRPr lang="en-CA"/>
           </a:p>
@@ -3697,7 +3697,7 @@
           <a:p>
             <a:fld id="{34BF15D1-C986-4401-8DA2-ABC404C317C2}" type="datetimeFigureOut">
               <a:rPr lang="en-CA" smtClean="0"/>
-              <a:t>2019-03-25</a:t>
+              <a:t>2019-04-01</a:t>
             </a:fld>
             <a:endParaRPr lang="en-CA"/>
           </a:p>
@@ -4100,7 +4100,7 @@
           <a:p>
             <a:fld id="{34BF15D1-C986-4401-8DA2-ABC404C317C2}" type="datetimeFigureOut">
               <a:rPr lang="en-CA" smtClean="0"/>
-              <a:t>2019-03-25</a:t>
+              <a:t>2019-04-01</a:t>
             </a:fld>
             <a:endParaRPr lang="en-CA"/>
           </a:p>
@@ -4254,7 +4254,7 @@
           <a:p>
             <a:fld id="{34BF15D1-C986-4401-8DA2-ABC404C317C2}" type="datetimeFigureOut">
               <a:rPr lang="en-CA" smtClean="0"/>
-              <a:t>2019-03-25</a:t>
+              <a:t>2019-04-01</a:t>
             </a:fld>
             <a:endParaRPr lang="en-CA"/>
           </a:p>
@@ -4503,7 +4503,7 @@
           <a:p>
             <a:fld id="{34BF15D1-C986-4401-8DA2-ABC404C317C2}" type="datetimeFigureOut">
               <a:rPr lang="en-CA" smtClean="0"/>
-              <a:t>2019-03-25</a:t>
+              <a:t>2019-04-01</a:t>
             </a:fld>
             <a:endParaRPr lang="en-CA"/>
           </a:p>
